--- a/Präsentation/Datenschutz_Netzwerksicherheit.pptx
+++ b/Präsentation/Datenschutz_Netzwerksicherheit.pptx
@@ -5,7 +5,7 @@
     <p:sldMasterId id="2147483750" r:id="rId1"/>
   </p:sldMasterIdLst>
   <p:notesMasterIdLst>
-    <p:notesMasterId r:id="rId17"/>
+    <p:notesMasterId r:id="rId18"/>
   </p:notesMasterIdLst>
   <p:sldIdLst>
     <p:sldId id="256" r:id="rId2"/>
@@ -22,7 +22,8 @@
     <p:sldId id="264" r:id="rId13"/>
     <p:sldId id="267" r:id="rId14"/>
     <p:sldId id="268" r:id="rId15"/>
-    <p:sldId id="270" r:id="rId16"/>
+    <p:sldId id="271" r:id="rId16"/>
+    <p:sldId id="270" r:id="rId17"/>
   </p:sldIdLst>
   <p:sldSz cx="12192000" cy="6858000"/>
   <p:notesSz cx="6858000" cy="9144000"/>
@@ -4860,6 +4861,157 @@
       </p:grpSpPr>
       <p:sp>
         <p:nvSpPr>
+          <p:cNvPr id="7" name="Titel 6">
+            <a:extLst>
+              <a:ext uri="{FF2B5EF4-FFF2-40B4-BE49-F238E27FC236}">
+                <a16:creationId xmlns:a16="http://schemas.microsoft.com/office/drawing/2014/main" id="{8499264D-DCEB-46C6-99E9-FD2B76AE370F}"/>
+              </a:ext>
+            </a:extLst>
+          </p:cNvPr>
+          <p:cNvSpPr>
+            <a:spLocks noGrp="1"/>
+          </p:cNvSpPr>
+          <p:nvPr>
+            <p:ph type="title"/>
+          </p:nvPr>
+        </p:nvSpPr>
+        <p:spPr/>
+        <p:txBody>
+          <a:bodyPr/>
+          <a:lstStyle/>
+          <a:p>
+            <a:r>
+              <a:rPr lang="de-DE" dirty="0"/>
+              <a:t>Gemeinsamkeiten</a:t>
+            </a:r>
+          </a:p>
+        </p:txBody>
+      </p:sp>
+      <p:sp>
+        <p:nvSpPr>
+          <p:cNvPr id="8" name="Inhaltsplatzhalter 7">
+            <a:extLst>
+              <a:ext uri="{FF2B5EF4-FFF2-40B4-BE49-F238E27FC236}">
+                <a16:creationId xmlns:a16="http://schemas.microsoft.com/office/drawing/2014/main" id="{05EF735F-8AEC-4214-A74F-B8341D592473}"/>
+              </a:ext>
+            </a:extLst>
+          </p:cNvPr>
+          <p:cNvSpPr>
+            <a:spLocks noGrp="1"/>
+          </p:cNvSpPr>
+          <p:nvPr>
+            <p:ph idx="1"/>
+          </p:nvPr>
+        </p:nvSpPr>
+        <p:spPr/>
+        <p:txBody>
+          <a:bodyPr/>
+          <a:lstStyle/>
+          <a:p>
+            <a:r>
+              <a:rPr lang="de-DE" sz="2400" dirty="0">
+                <a:effectLst/>
+                <a:latin typeface="Calibri" panose="020F0502020204030204" pitchFamily="34" charset="0"/>
+                <a:ea typeface="Yu Mincho" panose="02020400000000000000" pitchFamily="18" charset="-128"/>
+                <a:cs typeface="Times New Roman" panose="02020603050405020304" pitchFamily="18" charset="0"/>
+              </a:rPr>
+              <a:t>- Schutz von Daten</a:t>
+            </a:r>
+            <a:br>
+              <a:rPr lang="de-DE" sz="2400" dirty="0">
+                <a:effectLst/>
+                <a:latin typeface="Calibri" panose="020F0502020204030204" pitchFamily="34" charset="0"/>
+                <a:ea typeface="Yu Mincho" panose="02020400000000000000" pitchFamily="18" charset="-128"/>
+                <a:cs typeface="Times New Roman" panose="02020603050405020304" pitchFamily="18" charset="0"/>
+              </a:rPr>
+            </a:br>
+            <a:r>
+              <a:rPr lang="de-DE" sz="2400" dirty="0">
+                <a:effectLst/>
+                <a:latin typeface="Calibri" panose="020F0502020204030204" pitchFamily="34" charset="0"/>
+                <a:ea typeface="Yu Mincho" panose="02020400000000000000" pitchFamily="18" charset="-128"/>
+                <a:cs typeface="Times New Roman" panose="02020603050405020304" pitchFamily="18" charset="0"/>
+              </a:rPr>
+              <a:t>- mit Daten muss vertraulich umgegangen werden</a:t>
+            </a:r>
+            <a:br>
+              <a:rPr lang="de-DE" sz="2400" dirty="0">
+                <a:effectLst/>
+                <a:latin typeface="Calibri" panose="020F0502020204030204" pitchFamily="34" charset="0"/>
+                <a:ea typeface="Yu Mincho" panose="02020400000000000000" pitchFamily="18" charset="-128"/>
+                <a:cs typeface="Times New Roman" panose="02020603050405020304" pitchFamily="18" charset="0"/>
+              </a:rPr>
+            </a:br>
+            <a:r>
+              <a:rPr lang="de-DE" sz="2400" dirty="0">
+                <a:effectLst/>
+                <a:latin typeface="Calibri" panose="020F0502020204030204" pitchFamily="34" charset="0"/>
+                <a:ea typeface="Yu Mincho" panose="02020400000000000000" pitchFamily="18" charset="-128"/>
+                <a:cs typeface="Times New Roman" panose="02020603050405020304" pitchFamily="18" charset="0"/>
+              </a:rPr>
+              <a:t>- es müssen Maßnahmen getroffen werden, um den Schutz zu gewährleisten</a:t>
+            </a:r>
+            <a:br>
+              <a:rPr lang="de-DE" sz="2400" dirty="0">
+                <a:effectLst/>
+                <a:latin typeface="Calibri" panose="020F0502020204030204" pitchFamily="34" charset="0"/>
+                <a:ea typeface="Yu Mincho" panose="02020400000000000000" pitchFamily="18" charset="-128"/>
+                <a:cs typeface="Times New Roman" panose="02020603050405020304" pitchFamily="18" charset="0"/>
+              </a:rPr>
+            </a:br>
+            <a:r>
+              <a:rPr lang="de-DE" sz="2400" dirty="0">
+                <a:effectLst/>
+                <a:latin typeface="Calibri" panose="020F0502020204030204" pitchFamily="34" charset="0"/>
+                <a:ea typeface="Yu Mincho" panose="02020400000000000000" pitchFamily="18" charset="-128"/>
+                <a:cs typeface="Times New Roman" panose="02020603050405020304" pitchFamily="18" charset="0"/>
+              </a:rPr>
+              <a:t>- Unternehmen muss Regelungen treffen, um beides gewährleisten zu können</a:t>
+            </a:r>
+            <a:br>
+              <a:rPr lang="de-DE" sz="2400" dirty="0">
+                <a:effectLst/>
+                <a:latin typeface="Calibri" panose="020F0502020204030204" pitchFamily="34" charset="0"/>
+                <a:ea typeface="Yu Mincho" panose="02020400000000000000" pitchFamily="18" charset="-128"/>
+                <a:cs typeface="Times New Roman" panose="02020603050405020304" pitchFamily="18" charset="0"/>
+              </a:rPr>
+            </a:br>
+            <a:endParaRPr lang="de-DE" dirty="0"/>
+          </a:p>
+        </p:txBody>
+      </p:sp>
+    </p:spTree>
+    <p:extLst>
+      <p:ext uri="{BB962C8B-B14F-4D97-AF65-F5344CB8AC3E}">
+        <p14:creationId xmlns:p14="http://schemas.microsoft.com/office/powerpoint/2010/main" val="1140642905"/>
+      </p:ext>
+    </p:extLst>
+  </p:cSld>
+  <p:clrMapOvr>
+    <a:masterClrMapping/>
+  </p:clrMapOvr>
+</p:sld>
+</file>
+
+<file path=ppt/slides/slide16.xml><?xml version="1.0" encoding="utf-8"?>
+<p:sld xmlns:a="http://schemas.openxmlformats.org/drawingml/2006/main" xmlns:r="http://schemas.openxmlformats.org/officeDocument/2006/relationships" xmlns:p="http://schemas.openxmlformats.org/presentationml/2006/main">
+  <p:cSld>
+    <p:spTree>
+      <p:nvGrpSpPr>
+        <p:cNvPr id="1" name=""/>
+        <p:cNvGrpSpPr/>
+        <p:nvPr/>
+      </p:nvGrpSpPr>
+      <p:grpSpPr>
+        <a:xfrm>
+          <a:off x="0" y="0"/>
+          <a:ext cx="0" cy="0"/>
+          <a:chOff x="0" y="0"/>
+          <a:chExt cx="0" cy="0"/>
+        </a:xfrm>
+      </p:grpSpPr>
+      <p:sp>
+        <p:nvSpPr>
           <p:cNvPr id="11" name="Vertikaler Titel 10">
             <a:extLst>
               <a:ext uri="{FF2B5EF4-FFF2-40B4-BE49-F238E27FC236}">
@@ -5375,6 +5527,15 @@
             <a:r>
               <a:rPr lang="de-DE" sz="1800" dirty="0"/>
               <a:t>Unterschiede Datenschutz/Netzsicherheit</a:t>
+            </a:r>
+          </a:p>
+          <a:p>
+            <a:pPr marL="685800" lvl="1" indent="-457200">
+              <a:buAutoNum type="arabicPeriod"/>
+            </a:pPr>
+            <a:r>
+              <a:rPr lang="de-DE" sz="1800" dirty="0"/>
+              <a:t>Gemeinsamkeiten</a:t>
             </a:r>
           </a:p>
           <a:p>

--- a/Präsentation/Datenschutz_Netzwerksicherheit.pptx
+++ b/Präsentation/Datenschutz_Netzwerksicherheit.pptx
@@ -4908,6 +4908,9 @@
           <a:bodyPr/>
           <a:lstStyle/>
           <a:p>
+            <a:pPr marL="0" indent="0">
+              <a:buNone/>
+            </a:pPr>
             <a:r>
               <a:rPr lang="de-DE" sz="2400" dirty="0">
                 <a:effectLst/>

--- a/Präsentation/Datenschutz_Netzwerksicherheit.pptx
+++ b/Präsentation/Datenschutz_Netzwerksicherheit.pptx
@@ -212,7 +212,7 @@
           <a:p>
             <a:fld id="{53DFD0AA-A6B5-4C1E-B250-ADB3FDC6F813}" type="datetimeFigureOut">
               <a:rPr lang="de-DE" smtClean="0"/>
-              <a:t>08.12.2020</a:t>
+              <a:t>10.12.2020</a:t>
             </a:fld>
             <a:endParaRPr lang="de-DE"/>
           </a:p>
@@ -912,7 +912,7 @@
           <a:p>
             <a:fld id="{0AC170D1-EEDB-462F-BEF4-32FE44CE00CB}" type="datetime1">
               <a:rPr lang="de-DE" smtClean="0"/>
-              <a:t>08.12.2020</a:t>
+              <a:t>10.12.2020</a:t>
             </a:fld>
             <a:endParaRPr lang="de-DE"/>
           </a:p>
@@ -1085,7 +1085,7 @@
           <a:p>
             <a:fld id="{C043991F-7222-461D-8705-5E684042DE77}" type="datetime1">
               <a:rPr lang="de-DE" smtClean="0"/>
-              <a:t>08.12.2020</a:t>
+              <a:t>10.12.2020</a:t>
             </a:fld>
             <a:endParaRPr lang="de-DE"/>
           </a:p>
@@ -1311,7 +1311,7 @@
           <a:p>
             <a:fld id="{DE02B6F7-D8E2-447A-BD4D-7BAA976884E3}" type="datetime1">
               <a:rPr lang="de-DE" smtClean="0"/>
-              <a:t>08.12.2020</a:t>
+              <a:t>10.12.2020</a:t>
             </a:fld>
             <a:endParaRPr lang="de-DE"/>
           </a:p>
@@ -1494,7 +1494,7 @@
           <a:p>
             <a:fld id="{A89722CC-D3C7-4805-AFE2-7CFE2C6AE15A}" type="datetime1">
               <a:rPr lang="de-DE" smtClean="0"/>
-              <a:t>08.12.2020</a:t>
+              <a:t>10.12.2020</a:t>
             </a:fld>
             <a:endParaRPr lang="de-DE"/>
           </a:p>
@@ -1803,7 +1803,7 @@
           <a:p>
             <a:fld id="{6417A4C9-CAE9-49C2-9C30-B29457B63098}" type="datetime1">
               <a:rPr lang="de-DE" smtClean="0"/>
-              <a:t>08.12.2020</a:t>
+              <a:t>10.12.2020</a:t>
             </a:fld>
             <a:endParaRPr lang="de-DE"/>
           </a:p>
@@ -2110,7 +2110,7 @@
           <a:p>
             <a:fld id="{45B7AAB2-9DBF-4B7D-B525-172A1B4723D7}" type="datetime1">
               <a:rPr lang="de-DE" smtClean="0"/>
-              <a:t>08.12.2020</a:t>
+              <a:t>10.12.2020</a:t>
             </a:fld>
             <a:endParaRPr lang="de-DE"/>
           </a:p>
@@ -2535,7 +2535,7 @@
           <a:p>
             <a:fld id="{79D3A2DD-60F9-4D11-AA3B-27E95C31C303}" type="datetime1">
               <a:rPr lang="de-DE" smtClean="0"/>
-              <a:t>08.12.2020</a:t>
+              <a:t>10.12.2020</a:t>
             </a:fld>
             <a:endParaRPr lang="de-DE"/>
           </a:p>
@@ -2656,7 +2656,7 @@
           <a:p>
             <a:fld id="{C2E4148E-0989-428A-B893-80E7DE8254DD}" type="datetime1">
               <a:rPr lang="de-DE" smtClean="0"/>
-              <a:t>08.12.2020</a:t>
+              <a:t>10.12.2020</a:t>
             </a:fld>
             <a:endParaRPr lang="de-DE"/>
           </a:p>
@@ -2754,7 +2754,7 @@
           <a:p>
             <a:fld id="{8F2E1892-E463-4E86-A33B-FB614ACAFF06}" type="datetime1">
               <a:rPr lang="de-DE" smtClean="0"/>
-              <a:t>08.12.2020</a:t>
+              <a:t>10.12.2020</a:t>
             </a:fld>
             <a:endParaRPr lang="de-DE"/>
           </a:p>
@@ -3030,7 +3030,7 @@
           <a:p>
             <a:fld id="{7178C145-9906-42EE-880B-A48C3437FD4C}" type="datetime1">
               <a:rPr lang="de-DE" smtClean="0"/>
-              <a:t>08.12.2020</a:t>
+              <a:t>10.12.2020</a:t>
             </a:fld>
             <a:endParaRPr lang="de-DE"/>
           </a:p>
@@ -3298,7 +3298,7 @@
           <a:p>
             <a:fld id="{DB08DEEE-35C2-45EC-868B-127F1DFCD5E0}" type="datetime1">
               <a:rPr lang="de-DE" smtClean="0"/>
-              <a:t>08.12.2020</a:t>
+              <a:t>10.12.2020</a:t>
             </a:fld>
             <a:endParaRPr lang="de-DE"/>
           </a:p>
@@ -3550,7 +3550,7 @@
           <a:p>
             <a:fld id="{6FED8DD7-3DDE-495A-A074-00677648BF9F}" type="datetime1">
               <a:rPr lang="de-DE" smtClean="0"/>
-              <a:t>08.12.2020</a:t>
+              <a:t>10.12.2020</a:t>
             </a:fld>
             <a:endParaRPr lang="de-DE"/>
           </a:p>
@@ -4782,13 +4782,28 @@
         <p:spPr/>
         <p:txBody>
           <a:bodyPr>
-            <a:normAutofit/>
+            <a:normAutofit fontScale="90000"/>
           </a:bodyPr>
           <a:lstStyle/>
           <a:p>
             <a:r>
               <a:rPr lang="de-DE" dirty="0"/>
-              <a:t>Unterschiede Datenschutz/Netzsicherheit</a:t>
+              <a:t>Unterschiede Datenschutz/Datensicherheit</a:t>
+            </a:r>
+            <a:br>
+              <a:rPr lang="de-DE" dirty="0"/>
+            </a:br>
+            <a:r>
+              <a:rPr lang="de-DE" dirty="0"/>
+              <a:t>(</a:t>
+            </a:r>
+            <a:r>
+              <a:rPr lang="de-DE" dirty="0" err="1"/>
+              <a:t>NetzwerkSicherheit</a:t>
+            </a:r>
+            <a:r>
+              <a:rPr lang="de-DE" dirty="0"/>
+              <a:t>)</a:t>
             </a:r>
           </a:p>
         </p:txBody>
@@ -4915,16 +4930,26 @@
                 <a:ea typeface="Yu Mincho" panose="02020400000000000000" pitchFamily="18" charset="-128"/>
                 <a:cs typeface="Times New Roman" panose="02020603050405020304" pitchFamily="18" charset="0"/>
               </a:rPr>
-              <a:t>- Schutz von Daten</a:t>
-            </a:r>
-            <a:br>
+              <a:t>Schutz von Daten</a:t>
+            </a:r>
+            <a:endParaRPr lang="de-DE" sz="2400" dirty="0">
+              <a:latin typeface="Calibri" panose="020F0502020204030204" pitchFamily="34" charset="0"/>
+              <a:ea typeface="Yu Mincho" panose="02020400000000000000" pitchFamily="18" charset="-128"/>
+              <a:cs typeface="Times New Roman" panose="02020603050405020304" pitchFamily="18" charset="0"/>
+            </a:endParaRPr>
+          </a:p>
+          <a:p>
+            <a:r>
               <a:rPr lang="de-DE" sz="2400" dirty="0">
                 <a:effectLst/>
                 <a:latin typeface="Calibri" panose="020F0502020204030204" pitchFamily="34" charset="0"/>
                 <a:ea typeface="Yu Mincho" panose="02020400000000000000" pitchFamily="18" charset="-128"/>
                 <a:cs typeface="Times New Roman" panose="02020603050405020304" pitchFamily="18" charset="0"/>
               </a:rPr>
-            </a:br>
+              <a:t>mit Daten muss vertraulich umgegangen werden</a:t>
+            </a:r>
+          </a:p>
+          <a:p>
             <a:r>
               <a:rPr lang="de-DE" sz="2400" dirty="0">
                 <a:effectLst/>
@@ -4932,41 +4957,23 @@
                 <a:ea typeface="Yu Mincho" panose="02020400000000000000" pitchFamily="18" charset="-128"/>
                 <a:cs typeface="Times New Roman" panose="02020603050405020304" pitchFamily="18" charset="0"/>
               </a:rPr>
-              <a:t>- mit Daten muss vertraulich umgegangen werden</a:t>
-            </a:r>
-            <a:br>
+              <a:t>es müssen Maßnahmen getroffen werden, um den Schutz zu gewährleisten</a:t>
+            </a:r>
+            <a:endParaRPr lang="de-DE" sz="2400" dirty="0">
+              <a:latin typeface="Calibri" panose="020F0502020204030204" pitchFamily="34" charset="0"/>
+              <a:ea typeface="Yu Mincho" panose="02020400000000000000" pitchFamily="18" charset="-128"/>
+              <a:cs typeface="Times New Roman" panose="02020603050405020304" pitchFamily="18" charset="0"/>
+            </a:endParaRPr>
+          </a:p>
+          <a:p>
+            <a:r>
               <a:rPr lang="de-DE" sz="2400" dirty="0">
                 <a:effectLst/>
                 <a:latin typeface="Calibri" panose="020F0502020204030204" pitchFamily="34" charset="0"/>
                 <a:ea typeface="Yu Mincho" panose="02020400000000000000" pitchFamily="18" charset="-128"/>
                 <a:cs typeface="Times New Roman" panose="02020603050405020304" pitchFamily="18" charset="0"/>
               </a:rPr>
-            </a:br>
-            <a:r>
-              <a:rPr lang="de-DE" sz="2400" dirty="0">
-                <a:effectLst/>
-                <a:latin typeface="Calibri" panose="020F0502020204030204" pitchFamily="34" charset="0"/>
-                <a:ea typeface="Yu Mincho" panose="02020400000000000000" pitchFamily="18" charset="-128"/>
-                <a:cs typeface="Times New Roman" panose="02020603050405020304" pitchFamily="18" charset="0"/>
-              </a:rPr>
-              <a:t>- es müssen Maßnahmen getroffen werden, um den Schutz zu gewährleisten</a:t>
-            </a:r>
-            <a:br>
-              <a:rPr lang="de-DE" sz="2400" dirty="0">
-                <a:effectLst/>
-                <a:latin typeface="Calibri" panose="020F0502020204030204" pitchFamily="34" charset="0"/>
-                <a:ea typeface="Yu Mincho" panose="02020400000000000000" pitchFamily="18" charset="-128"/>
-                <a:cs typeface="Times New Roman" panose="02020603050405020304" pitchFamily="18" charset="0"/>
-              </a:rPr>
-            </a:br>
-            <a:r>
-              <a:rPr lang="de-DE" sz="2400" dirty="0">
-                <a:effectLst/>
-                <a:latin typeface="Calibri" panose="020F0502020204030204" pitchFamily="34" charset="0"/>
-                <a:ea typeface="Yu Mincho" panose="02020400000000000000" pitchFamily="18" charset="-128"/>
-                <a:cs typeface="Times New Roman" panose="02020603050405020304" pitchFamily="18" charset="0"/>
-              </a:rPr>
-              <a:t>- Unternehmen muss Regelungen treffen, um beides gewährleisten zu können</a:t>
+              <a:t>Unternehmen muss Regelungen treffen, um beides gewährleisten zu können</a:t>
             </a:r>
             <a:br>
               <a:rPr lang="de-DE" sz="2400" dirty="0">
@@ -5058,6 +5065,26 @@
         <p:txBody>
           <a:bodyPr vert="horz"/>
           <a:lstStyle/>
+          <a:p>
+            <a:pPr marL="0" indent="0" algn="ctr">
+              <a:buNone/>
+            </a:pPr>
+            <a:r>
+              <a:rPr lang="de-DE" sz="4000" dirty="0"/>
+              <a:t>VIELEN DANK!</a:t>
+            </a:r>
+            <a:endParaRPr lang="de-DE" sz="4000" dirty="0">
+              <a:hlinkClick r:id="rId2"/>
+            </a:endParaRPr>
+          </a:p>
+          <a:p>
+            <a:pPr marL="0" indent="0">
+              <a:buNone/>
+            </a:pPr>
+            <a:endParaRPr lang="de-DE" dirty="0">
+              <a:hlinkClick r:id="rId2"/>
+            </a:endParaRPr>
+          </a:p>
           <a:p>
             <a:r>
               <a:rPr lang="de-DE" dirty="0">
@@ -5315,13 +5342,18 @@
           <a:lstStyle/>
           <a:p>
             <a:r>
-              <a:rPr lang="de-DE" sz="3600" dirty="0">
+              <a:rPr lang="de-DE" sz="3600">
                 <a:solidFill>
                   <a:schemeClr val="tx1"/>
                 </a:solidFill>
               </a:rPr>
               <a:t>Inhalt</a:t>
             </a:r>
+            <a:endParaRPr lang="de-DE" sz="3600" dirty="0">
+              <a:solidFill>
+                <a:schemeClr val="tx1"/>
+              </a:solidFill>
+            </a:endParaRPr>
           </a:p>
         </p:txBody>
       </p:sp>
@@ -5426,7 +5458,7 @@
               <a:buAutoNum type="arabicPeriod"/>
             </a:pPr>
             <a:r>
-              <a:rPr lang="de-DE" sz="2000" dirty="0"/>
+              <a:rPr lang="de-DE" sz="2000"/>
               <a:t>Datenschutz</a:t>
             </a:r>
           </a:p>
@@ -5435,7 +5467,7 @@
               <a:buAutoNum type="arabicPeriod"/>
             </a:pPr>
             <a:r>
-              <a:rPr lang="de-DE" sz="1800" dirty="0"/>
+              <a:rPr lang="de-DE" sz="1800"/>
               <a:t>Was ist Datenschutz?</a:t>
             </a:r>
           </a:p>
@@ -5444,7 +5476,7 @@
               <a:buAutoNum type="arabicPeriod"/>
             </a:pPr>
             <a:r>
-              <a:rPr lang="de-DE" sz="1800" dirty="0"/>
+              <a:rPr lang="de-DE" sz="1800"/>
               <a:t>Rechtsgrundlagen im Datenschutz </a:t>
             </a:r>
           </a:p>
@@ -5453,7 +5485,7 @@
               <a:buAutoNum type="arabicPeriod"/>
             </a:pPr>
             <a:r>
-              <a:rPr lang="de-DE" sz="1800" dirty="0"/>
+              <a:rPr lang="de-DE" sz="1800"/>
               <a:t>DSGVO: Zeitplan &amp; Ziele</a:t>
             </a:r>
           </a:p>
@@ -5462,7 +5494,7 @@
               <a:buAutoNum type="arabicPeriod"/>
             </a:pPr>
             <a:r>
-              <a:rPr lang="de-DE" sz="2000" dirty="0"/>
+              <a:rPr lang="de-DE" sz="2000"/>
               <a:t>Netzwerksicherheit</a:t>
             </a:r>
           </a:p>
@@ -5471,7 +5503,7 @@
               <a:buAutoNum type="arabicPeriod"/>
             </a:pPr>
             <a:r>
-              <a:rPr lang="de-DE" sz="1800" dirty="0"/>
+              <a:rPr lang="de-DE" sz="1800"/>
               <a:t>Was ist Netzwerksicherheit?</a:t>
             </a:r>
           </a:p>
@@ -5480,7 +5512,7 @@
               <a:buAutoNum type="arabicPeriod"/>
             </a:pPr>
             <a:r>
-              <a:rPr lang="de-DE" sz="1800" dirty="0"/>
+              <a:rPr lang="de-DE" sz="1800"/>
               <a:t>3 Pfeiler der Netzwerk-Sicherheit</a:t>
             </a:r>
           </a:p>
@@ -5489,7 +5521,7 @@
               <a:buAutoNum type="arabicPeriod"/>
             </a:pPr>
             <a:r>
-              <a:rPr lang="de-DE" sz="1800" dirty="0"/>
+              <a:rPr lang="de-DE" sz="1800"/>
               <a:t>Kann die Netzwerksicherheit dem Datenschutz schaden?</a:t>
             </a:r>
           </a:p>
@@ -5498,7 +5530,7 @@
               <a:buAutoNum type="arabicPeriod"/>
             </a:pPr>
             <a:r>
-              <a:rPr lang="de-DE" sz="1800" dirty="0"/>
+              <a:rPr lang="de-DE" sz="1800"/>
               <a:t>Hauptproblem: der Nutzer</a:t>
             </a:r>
           </a:p>
@@ -5507,7 +5539,7 @@
               <a:buAutoNum type="arabicPeriod"/>
             </a:pPr>
             <a:r>
-              <a:rPr lang="de-DE" sz="1800" dirty="0"/>
+              <a:rPr lang="de-DE" sz="1800"/>
               <a:t>Was man wissen muss!</a:t>
             </a:r>
           </a:p>
@@ -5516,7 +5548,7 @@
               <a:buAutoNum type="arabicPeriod"/>
             </a:pPr>
             <a:r>
-              <a:rPr lang="de-DE" sz="2000" dirty="0"/>
+              <a:rPr lang="de-DE" sz="2000"/>
               <a:t>Zusammenfassung / Ende</a:t>
             </a:r>
           </a:p>
@@ -5525,7 +5557,7 @@
               <a:buAutoNum type="arabicPeriod"/>
             </a:pPr>
             <a:r>
-              <a:rPr lang="de-DE" sz="1800" dirty="0"/>
+              <a:rPr lang="de-DE" sz="1800"/>
               <a:t>Unterschiede Datenschutz/Netzsicherheit</a:t>
             </a:r>
           </a:p>
@@ -5534,7 +5566,7 @@
               <a:buAutoNum type="arabicPeriod"/>
             </a:pPr>
             <a:r>
-              <a:rPr lang="de-DE" sz="1800" dirty="0"/>
+              <a:rPr lang="de-DE" sz="1800"/>
               <a:t>Gemeinsamkeiten</a:t>
             </a:r>
           </a:p>
@@ -5543,7 +5575,7 @@
               <a:buAutoNum type="arabicPeriod"/>
             </a:pPr>
             <a:r>
-              <a:rPr lang="de-DE" sz="1800" dirty="0"/>
+              <a:rPr lang="de-DE" sz="1800"/>
               <a:t>Quellen</a:t>
             </a:r>
           </a:p>
